--- a/SPL1_mid_slides.pptx
+++ b/SPL1_mid_slides.pptx
@@ -540,7 +540,7 @@
           <a:noFill/>
           <a:extLst>
             <a:ext uri="{909E8E84-426E-40dd-AFC4-6F175D3DCCD1}">
-              <a14:hiddenFill xmlns:a14="http://schemas.microsoft.com/office/drawing/2010/main" xmlns="">
+              <a14:hiddenFill xmlns="" xmlns:a14="http://schemas.microsoft.com/office/drawing/2010/main">
                 <a:solidFill>
                   <a:srgbClr val="FFFFFF"/>
                 </a:solidFill>
@@ -599,7 +599,7 @@
             </a:ln>
             <a:extLst>
               <a:ext uri="{91240B29-F687-4f45-9708-019B960494DF}">
-                <a14:hiddenLine xmlns:a14="http://schemas.microsoft.com/office/drawing/2010/main" xmlns="" w="9525">
+                <a14:hiddenLine xmlns="" xmlns:a14="http://schemas.microsoft.com/office/drawing/2010/main" w="9525">
                   <a:solidFill>
                     <a:srgbClr val="000000"/>
                   </a:solidFill>
@@ -689,7 +689,7 @@
             </a:ln>
             <a:extLst>
               <a:ext uri="{91240B29-F687-4f45-9708-019B960494DF}">
-                <a14:hiddenLine xmlns:a14="http://schemas.microsoft.com/office/drawing/2010/main" xmlns="" w="9525">
+                <a14:hiddenLine xmlns="" xmlns:a14="http://schemas.microsoft.com/office/drawing/2010/main" w="9525">
                   <a:solidFill>
                     <a:srgbClr val="000000"/>
                   </a:solidFill>
@@ -779,7 +779,7 @@
             </a:ln>
             <a:extLst>
               <a:ext uri="{91240B29-F687-4f45-9708-019B960494DF}">
-                <a14:hiddenLine xmlns:a14="http://schemas.microsoft.com/office/drawing/2010/main" xmlns="" w="9525">
+                <a14:hiddenLine xmlns="" xmlns:a14="http://schemas.microsoft.com/office/drawing/2010/main" w="9525">
                   <a:solidFill>
                     <a:srgbClr val="000000"/>
                   </a:solidFill>
@@ -813,7 +813,7 @@
             </a:ln>
             <a:extLst>
               <a:ext uri="{91240B29-F687-4f45-9708-019B960494DF}">
-                <a14:hiddenLine xmlns:a14="http://schemas.microsoft.com/office/drawing/2010/main" xmlns="" w="9525">
+                <a14:hiddenLine xmlns="" xmlns:a14="http://schemas.microsoft.com/office/drawing/2010/main" w="9525">
                   <a:solidFill>
                     <a:srgbClr val="000000"/>
                   </a:solidFill>
@@ -903,7 +903,7 @@
             </a:ln>
             <a:extLst>
               <a:ext uri="{91240B29-F687-4f45-9708-019B960494DF}">
-                <a14:hiddenLine xmlns:a14="http://schemas.microsoft.com/office/drawing/2010/main" xmlns="" w="9525">
+                <a14:hiddenLine xmlns="" xmlns:a14="http://schemas.microsoft.com/office/drawing/2010/main" w="9525">
                   <a:solidFill>
                     <a:srgbClr val="000000"/>
                   </a:solidFill>
@@ -965,7 +965,7 @@
             </a:ln>
             <a:extLst>
               <a:ext uri="{91240B29-F687-4f45-9708-019B960494DF}">
-                <a14:hiddenLine xmlns:a14="http://schemas.microsoft.com/office/drawing/2010/main" xmlns="" w="9525">
+                <a14:hiddenLine xmlns="" xmlns:a14="http://schemas.microsoft.com/office/drawing/2010/main" w="9525">
                   <a:solidFill>
                     <a:srgbClr val="000000"/>
                   </a:solidFill>
@@ -1027,7 +1027,7 @@
             </a:ln>
             <a:extLst>
               <a:ext uri="{91240B29-F687-4f45-9708-019B960494DF}">
-                <a14:hiddenLine xmlns:a14="http://schemas.microsoft.com/office/drawing/2010/main" xmlns="" w="9525">
+                <a14:hiddenLine xmlns="" xmlns:a14="http://schemas.microsoft.com/office/drawing/2010/main" w="9525">
                   <a:solidFill>
                     <a:srgbClr val="000000"/>
                   </a:solidFill>
@@ -1117,7 +1117,7 @@
             </a:ln>
             <a:extLst>
               <a:ext uri="{91240B29-F687-4f45-9708-019B960494DF}">
-                <a14:hiddenLine xmlns:a14="http://schemas.microsoft.com/office/drawing/2010/main" xmlns="" w="9525">
+                <a14:hiddenLine xmlns="" xmlns:a14="http://schemas.microsoft.com/office/drawing/2010/main" w="9525">
                   <a:solidFill>
                     <a:srgbClr val="000000"/>
                   </a:solidFill>
@@ -1179,7 +1179,7 @@
             </a:ln>
             <a:extLst>
               <a:ext uri="{91240B29-F687-4f45-9708-019B960494DF}">
-                <a14:hiddenLine xmlns:a14="http://schemas.microsoft.com/office/drawing/2010/main" xmlns="" w="9525">
+                <a14:hiddenLine xmlns="" xmlns:a14="http://schemas.microsoft.com/office/drawing/2010/main" w="9525">
                   <a:solidFill>
                     <a:srgbClr val="000000"/>
                   </a:solidFill>
@@ -1241,7 +1241,7 @@
             </a:ln>
             <a:extLst>
               <a:ext uri="{91240B29-F687-4f45-9708-019B960494DF}">
-                <a14:hiddenLine xmlns:a14="http://schemas.microsoft.com/office/drawing/2010/main" xmlns="" w="9525">
+                <a14:hiddenLine xmlns="" xmlns:a14="http://schemas.microsoft.com/office/drawing/2010/main" w="9525">
                   <a:solidFill>
                     <a:srgbClr val="000000"/>
                   </a:solidFill>
@@ -1331,7 +1331,7 @@
             </a:ln>
             <a:extLst>
               <a:ext uri="{91240B29-F687-4f45-9708-019B960494DF}">
-                <a14:hiddenLine xmlns:a14="http://schemas.microsoft.com/office/drawing/2010/main" xmlns="" w="9525">
+                <a14:hiddenLine xmlns="" xmlns:a14="http://schemas.microsoft.com/office/drawing/2010/main" w="9525">
                   <a:solidFill>
                     <a:srgbClr val="000000"/>
                   </a:solidFill>
@@ -1421,7 +1421,7 @@
             </a:ln>
             <a:extLst>
               <a:ext uri="{91240B29-F687-4f45-9708-019B960494DF}">
-                <a14:hiddenLine xmlns:a14="http://schemas.microsoft.com/office/drawing/2010/main" xmlns="" w="9525">
+                <a14:hiddenLine xmlns="" xmlns:a14="http://schemas.microsoft.com/office/drawing/2010/main" w="9525">
                   <a:solidFill>
                     <a:srgbClr val="000000"/>
                   </a:solidFill>
@@ -1483,7 +1483,7 @@
             </a:ln>
             <a:extLst>
               <a:ext uri="{91240B29-F687-4f45-9708-019B960494DF}">
-                <a14:hiddenLine xmlns:a14="http://schemas.microsoft.com/office/drawing/2010/main" xmlns="" w="9525">
+                <a14:hiddenLine xmlns="" xmlns:a14="http://schemas.microsoft.com/office/drawing/2010/main" w="9525">
                   <a:solidFill>
                     <a:srgbClr val="000000"/>
                   </a:solidFill>
@@ -1593,7 +1593,7 @@
             </a:ln>
             <a:extLst>
               <a:ext uri="{91240B29-F687-4f45-9708-019B960494DF}">
-                <a14:hiddenLine xmlns:a14="http://schemas.microsoft.com/office/drawing/2010/main" xmlns="" w="9525">
+                <a14:hiddenLine xmlns="" xmlns:a14="http://schemas.microsoft.com/office/drawing/2010/main" w="9525">
                   <a:solidFill>
                     <a:srgbClr val="000000"/>
                   </a:solidFill>
@@ -1655,7 +1655,7 @@
             </a:ln>
             <a:extLst>
               <a:ext uri="{91240B29-F687-4f45-9708-019B960494DF}">
-                <a14:hiddenLine xmlns:a14="http://schemas.microsoft.com/office/drawing/2010/main" xmlns="" w="9525">
+                <a14:hiddenLine xmlns="" xmlns:a14="http://schemas.microsoft.com/office/drawing/2010/main" w="9525">
                   <a:solidFill>
                     <a:srgbClr val="000000"/>
                   </a:solidFill>
@@ -1745,7 +1745,7 @@
             </a:ln>
             <a:extLst>
               <a:ext uri="{91240B29-F687-4f45-9708-019B960494DF}">
-                <a14:hiddenLine xmlns:a14="http://schemas.microsoft.com/office/drawing/2010/main" xmlns="" w="9525">
+                <a14:hiddenLine xmlns="" xmlns:a14="http://schemas.microsoft.com/office/drawing/2010/main" w="9525">
                   <a:solidFill>
                     <a:srgbClr val="000000"/>
                   </a:solidFill>
@@ -1835,7 +1835,7 @@
             </a:ln>
             <a:extLst>
               <a:ext uri="{91240B29-F687-4f45-9708-019B960494DF}">
-                <a14:hiddenLine xmlns:a14="http://schemas.microsoft.com/office/drawing/2010/main" xmlns="" w="9525">
+                <a14:hiddenLine xmlns="" xmlns:a14="http://schemas.microsoft.com/office/drawing/2010/main" w="9525">
                   <a:solidFill>
                     <a:srgbClr val="000000"/>
                   </a:solidFill>
@@ -1897,7 +1897,7 @@
             </a:ln>
             <a:extLst>
               <a:ext uri="{91240B29-F687-4f45-9708-019B960494DF}">
-                <a14:hiddenLine xmlns:a14="http://schemas.microsoft.com/office/drawing/2010/main" xmlns="" w="9525">
+                <a14:hiddenLine xmlns="" xmlns:a14="http://schemas.microsoft.com/office/drawing/2010/main" w="9525">
                   <a:solidFill>
                     <a:srgbClr val="000000"/>
                   </a:solidFill>
@@ -1987,7 +1987,7 @@
             </a:ln>
             <a:extLst>
               <a:ext uri="{91240B29-F687-4f45-9708-019B960494DF}">
-                <a14:hiddenLine xmlns:a14="http://schemas.microsoft.com/office/drawing/2010/main" xmlns="" w="9525">
+                <a14:hiddenLine xmlns="" xmlns:a14="http://schemas.microsoft.com/office/drawing/2010/main" w="9525">
                   <a:solidFill>
                     <a:srgbClr val="000000"/>
                   </a:solidFill>
@@ -2077,7 +2077,7 @@
             </a:ln>
             <a:extLst>
               <a:ext uri="{91240B29-F687-4f45-9708-019B960494DF}">
-                <a14:hiddenLine xmlns:a14="http://schemas.microsoft.com/office/drawing/2010/main" xmlns="" w="9525">
+                <a14:hiddenLine xmlns="" xmlns:a14="http://schemas.microsoft.com/office/drawing/2010/main" w="9525">
                   <a:solidFill>
                     <a:srgbClr val="000000"/>
                   </a:solidFill>
@@ -2133,7 +2133,7 @@
             </a:ln>
             <a:extLst>
               <a:ext uri="{91240B29-F687-4f45-9708-019B960494DF}">
-                <a14:hiddenLine xmlns:a14="http://schemas.microsoft.com/office/drawing/2010/main" xmlns="" w="9525">
+                <a14:hiddenLine xmlns="" xmlns:a14="http://schemas.microsoft.com/office/drawing/2010/main" w="9525">
                   <a:solidFill>
                     <a:srgbClr val="000000"/>
                   </a:solidFill>
@@ -2223,7 +2223,7 @@
             </a:ln>
             <a:extLst>
               <a:ext uri="{91240B29-F687-4f45-9708-019B960494DF}">
-                <a14:hiddenLine xmlns:a14="http://schemas.microsoft.com/office/drawing/2010/main" xmlns="" w="9525">
+                <a14:hiddenLine xmlns="" xmlns:a14="http://schemas.microsoft.com/office/drawing/2010/main" w="9525">
                   <a:solidFill>
                     <a:srgbClr val="000000"/>
                   </a:solidFill>
@@ -2279,7 +2279,7 @@
             </a:ln>
             <a:extLst>
               <a:ext uri="{91240B29-F687-4f45-9708-019B960494DF}">
-                <a14:hiddenLine xmlns:a14="http://schemas.microsoft.com/office/drawing/2010/main" xmlns="" w="9525">
+                <a14:hiddenLine xmlns="" xmlns:a14="http://schemas.microsoft.com/office/drawing/2010/main" w="9525">
                   <a:solidFill>
                     <a:srgbClr val="000000"/>
                   </a:solidFill>
@@ -2369,7 +2369,7 @@
             </a:ln>
             <a:extLst>
               <a:ext uri="{91240B29-F687-4f45-9708-019B960494DF}">
-                <a14:hiddenLine xmlns:a14="http://schemas.microsoft.com/office/drawing/2010/main" xmlns="" w="9525">
+                <a14:hiddenLine xmlns="" xmlns:a14="http://schemas.microsoft.com/office/drawing/2010/main" w="9525">
                   <a:solidFill>
                     <a:srgbClr val="000000"/>
                   </a:solidFill>
@@ -2437,7 +2437,7 @@
             </a:ln>
             <a:extLst>
               <a:ext uri="{91240B29-F687-4f45-9708-019B960494DF}">
-                <a14:hiddenLine xmlns:a14="http://schemas.microsoft.com/office/drawing/2010/main" xmlns="" w="9525">
+                <a14:hiddenLine xmlns="" xmlns:a14="http://schemas.microsoft.com/office/drawing/2010/main" w="9525">
                   <a:solidFill>
                     <a:srgbClr val="000000"/>
                   </a:solidFill>
@@ -2527,7 +2527,7 @@
             </a:ln>
             <a:extLst>
               <a:ext uri="{91240B29-F687-4f45-9708-019B960494DF}">
-                <a14:hiddenLine xmlns:a14="http://schemas.microsoft.com/office/drawing/2010/main" xmlns="" w="9525">
+                <a14:hiddenLine xmlns="" xmlns:a14="http://schemas.microsoft.com/office/drawing/2010/main" w="9525">
                   <a:solidFill>
                     <a:srgbClr val="000000"/>
                   </a:solidFill>
@@ -2595,7 +2595,7 @@
             </a:ln>
             <a:extLst>
               <a:ext uri="{91240B29-F687-4f45-9708-019B960494DF}">
-                <a14:hiddenLine xmlns:a14="http://schemas.microsoft.com/office/drawing/2010/main" xmlns="" w="9525">
+                <a14:hiddenLine xmlns="" xmlns:a14="http://schemas.microsoft.com/office/drawing/2010/main" w="9525">
                   <a:solidFill>
                     <a:srgbClr val="000000"/>
                   </a:solidFill>
@@ -2685,7 +2685,7 @@
             </a:ln>
             <a:extLst>
               <a:ext uri="{91240B29-F687-4f45-9708-019B960494DF}">
-                <a14:hiddenLine xmlns:a14="http://schemas.microsoft.com/office/drawing/2010/main" xmlns="" w="9525">
+                <a14:hiddenLine xmlns="" xmlns:a14="http://schemas.microsoft.com/office/drawing/2010/main" w="9525">
                   <a:solidFill>
                     <a:srgbClr val="000000"/>
                   </a:solidFill>
@@ -2719,7 +2719,7 @@
             </a:ln>
             <a:extLst>
               <a:ext uri="{91240B29-F687-4f45-9708-019B960494DF}">
-                <a14:hiddenLine xmlns:a14="http://schemas.microsoft.com/office/drawing/2010/main" xmlns="" w="9525">
+                <a14:hiddenLine xmlns="" xmlns:a14="http://schemas.microsoft.com/office/drawing/2010/main" w="9525">
                   <a:solidFill>
                     <a:srgbClr val="000000"/>
                   </a:solidFill>
@@ -2809,7 +2809,7 @@
             </a:ln>
             <a:extLst>
               <a:ext uri="{91240B29-F687-4f45-9708-019B960494DF}">
-                <a14:hiddenLine xmlns:a14="http://schemas.microsoft.com/office/drawing/2010/main" xmlns="" w="9525">
+                <a14:hiddenLine xmlns="" xmlns:a14="http://schemas.microsoft.com/office/drawing/2010/main" w="9525">
                   <a:solidFill>
                     <a:srgbClr val="000000"/>
                   </a:solidFill>
@@ -2871,7 +2871,7 @@
             </a:ln>
             <a:extLst>
               <a:ext uri="{91240B29-F687-4f45-9708-019B960494DF}">
-                <a14:hiddenLine xmlns:a14="http://schemas.microsoft.com/office/drawing/2010/main" xmlns="" w="9525">
+                <a14:hiddenLine xmlns="" xmlns:a14="http://schemas.microsoft.com/office/drawing/2010/main" w="9525">
                   <a:solidFill>
                     <a:srgbClr val="000000"/>
                   </a:solidFill>
@@ -2933,7 +2933,7 @@
             </a:ln>
             <a:extLst>
               <a:ext uri="{91240B29-F687-4f45-9708-019B960494DF}">
-                <a14:hiddenLine xmlns:a14="http://schemas.microsoft.com/office/drawing/2010/main" xmlns="" w="9525">
+                <a14:hiddenLine xmlns="" xmlns:a14="http://schemas.microsoft.com/office/drawing/2010/main" w="9525">
                   <a:solidFill>
                     <a:srgbClr val="000000"/>
                   </a:solidFill>
@@ -3023,7 +3023,7 @@
             </a:ln>
             <a:extLst>
               <a:ext uri="{91240B29-F687-4f45-9708-019B960494DF}">
-                <a14:hiddenLine xmlns:a14="http://schemas.microsoft.com/office/drawing/2010/main" xmlns="" w="9525">
+                <a14:hiddenLine xmlns="" xmlns:a14="http://schemas.microsoft.com/office/drawing/2010/main" w="9525">
                   <a:solidFill>
                     <a:srgbClr val="000000"/>
                   </a:solidFill>
@@ -3091,7 +3091,7 @@
             </a:ln>
             <a:extLst>
               <a:ext uri="{91240B29-F687-4f45-9708-019B960494DF}">
-                <a14:hiddenLine xmlns:a14="http://schemas.microsoft.com/office/drawing/2010/main" xmlns="" w="9525">
+                <a14:hiddenLine xmlns="" xmlns:a14="http://schemas.microsoft.com/office/drawing/2010/main" w="9525">
                   <a:solidFill>
                     <a:srgbClr val="000000"/>
                   </a:solidFill>
@@ -3153,7 +3153,7 @@
             </a:ln>
             <a:extLst>
               <a:ext uri="{91240B29-F687-4f45-9708-019B960494DF}">
-                <a14:hiddenLine xmlns:a14="http://schemas.microsoft.com/office/drawing/2010/main" xmlns="" w="9525">
+                <a14:hiddenLine xmlns="" xmlns:a14="http://schemas.microsoft.com/office/drawing/2010/main" w="9525">
                   <a:solidFill>
                     <a:srgbClr val="000000"/>
                   </a:solidFill>
@@ -3243,7 +3243,7 @@
             </a:ln>
             <a:extLst>
               <a:ext uri="{91240B29-F687-4f45-9708-019B960494DF}">
-                <a14:hiddenLine xmlns:a14="http://schemas.microsoft.com/office/drawing/2010/main" xmlns="" w="9525">
+                <a14:hiddenLine xmlns="" xmlns:a14="http://schemas.microsoft.com/office/drawing/2010/main" w="9525">
                   <a:solidFill>
                     <a:srgbClr val="000000"/>
                   </a:solidFill>
@@ -3305,7 +3305,7 @@
             </a:ln>
             <a:extLst>
               <a:ext uri="{91240B29-F687-4f45-9708-019B960494DF}">
-                <a14:hiddenLine xmlns:a14="http://schemas.microsoft.com/office/drawing/2010/main" xmlns="" w="9525">
+                <a14:hiddenLine xmlns="" xmlns:a14="http://schemas.microsoft.com/office/drawing/2010/main" w="9525">
                   <a:solidFill>
                     <a:srgbClr val="000000"/>
                   </a:solidFill>
@@ -3395,7 +3395,7 @@
             </a:ln>
             <a:extLst>
               <a:ext uri="{91240B29-F687-4f45-9708-019B960494DF}">
-                <a14:hiddenLine xmlns:a14="http://schemas.microsoft.com/office/drawing/2010/main" xmlns="" w="9525">
+                <a14:hiddenLine xmlns="" xmlns:a14="http://schemas.microsoft.com/office/drawing/2010/main" w="9525">
                   <a:solidFill>
                     <a:srgbClr val="000000"/>
                   </a:solidFill>
@@ -3457,7 +3457,7 @@
             </a:ln>
             <a:extLst>
               <a:ext uri="{91240B29-F687-4f45-9708-019B960494DF}">
-                <a14:hiddenLine xmlns:a14="http://schemas.microsoft.com/office/drawing/2010/main" xmlns="" w="9525">
+                <a14:hiddenLine xmlns="" xmlns:a14="http://schemas.microsoft.com/office/drawing/2010/main" w="9525">
                   <a:solidFill>
                     <a:srgbClr val="000000"/>
                   </a:solidFill>
@@ -3547,7 +3547,7 @@
             </a:ln>
             <a:extLst>
               <a:ext uri="{91240B29-F687-4f45-9708-019B960494DF}">
-                <a14:hiddenLine xmlns:a14="http://schemas.microsoft.com/office/drawing/2010/main" xmlns="" w="9525">
+                <a14:hiddenLine xmlns="" xmlns:a14="http://schemas.microsoft.com/office/drawing/2010/main" w="9525">
                   <a:solidFill>
                     <a:srgbClr val="000000"/>
                   </a:solidFill>
@@ -3581,7 +3581,7 @@
             </a:ln>
             <a:extLst>
               <a:ext uri="{91240B29-F687-4f45-9708-019B960494DF}">
-                <a14:hiddenLine xmlns:a14="http://schemas.microsoft.com/office/drawing/2010/main" xmlns="" w="9525">
+                <a14:hiddenLine xmlns="" xmlns:a14="http://schemas.microsoft.com/office/drawing/2010/main" w="9525">
                   <a:solidFill>
                     <a:srgbClr val="000000"/>
                   </a:solidFill>
@@ -3646,7 +3646,7 @@
             </a:ln>
             <a:extLst>
               <a:ext uri="{91240B29-F687-4f45-9708-019B960494DF}">
-                <a14:hiddenLine xmlns:a14="http://schemas.microsoft.com/office/drawing/2010/main" xmlns="" w="9525">
+                <a14:hiddenLine xmlns="" xmlns:a14="http://schemas.microsoft.com/office/drawing/2010/main" w="9525">
                   <a:solidFill>
                     <a:srgbClr val="000000"/>
                   </a:solidFill>
@@ -3736,7 +3736,7 @@
             </a:ln>
             <a:extLst>
               <a:ext uri="{91240B29-F687-4f45-9708-019B960494DF}">
-                <a14:hiddenLine xmlns:a14="http://schemas.microsoft.com/office/drawing/2010/main" xmlns="" w="9525">
+                <a14:hiddenLine xmlns="" xmlns:a14="http://schemas.microsoft.com/office/drawing/2010/main" w="9525">
                   <a:solidFill>
                     <a:srgbClr val="000000"/>
                   </a:solidFill>
@@ -3798,7 +3798,7 @@
             </a:ln>
             <a:extLst>
               <a:ext uri="{91240B29-F687-4f45-9708-019B960494DF}">
-                <a14:hiddenLine xmlns:a14="http://schemas.microsoft.com/office/drawing/2010/main" xmlns="" w="9525">
+                <a14:hiddenLine xmlns="" xmlns:a14="http://schemas.microsoft.com/office/drawing/2010/main" w="9525">
                   <a:solidFill>
                     <a:srgbClr val="000000"/>
                   </a:solidFill>
@@ -3888,7 +3888,7 @@
             </a:ln>
             <a:extLst>
               <a:ext uri="{91240B29-F687-4f45-9708-019B960494DF}">
-                <a14:hiddenLine xmlns:a14="http://schemas.microsoft.com/office/drawing/2010/main" xmlns="" w="9525">
+                <a14:hiddenLine xmlns="" xmlns:a14="http://schemas.microsoft.com/office/drawing/2010/main" w="9525">
                   <a:solidFill>
                     <a:srgbClr val="000000"/>
                   </a:solidFill>
@@ -3978,7 +3978,7 @@
             </a:ln>
             <a:extLst>
               <a:ext uri="{91240B29-F687-4f45-9708-019B960494DF}">
-                <a14:hiddenLine xmlns:a14="http://schemas.microsoft.com/office/drawing/2010/main" xmlns="" w="9525">
+                <a14:hiddenLine xmlns="" xmlns:a14="http://schemas.microsoft.com/office/drawing/2010/main" w="9525">
                   <a:solidFill>
                     <a:srgbClr val="000000"/>
                   </a:solidFill>
@@ -4043,7 +4043,7 @@
             </a:ln>
             <a:extLst>
               <a:ext uri="{91240B29-F687-4f45-9708-019B960494DF}">
-                <a14:hiddenLine xmlns:a14="http://schemas.microsoft.com/office/drawing/2010/main" xmlns="" w="9525">
+                <a14:hiddenLine xmlns="" xmlns:a14="http://schemas.microsoft.com/office/drawing/2010/main" w="9525">
                   <a:solidFill>
                     <a:srgbClr val="000000"/>
                   </a:solidFill>
@@ -4105,7 +4105,7 @@
             </a:ln>
             <a:extLst>
               <a:ext uri="{91240B29-F687-4f45-9708-019B960494DF}">
-                <a14:hiddenLine xmlns:a14="http://schemas.microsoft.com/office/drawing/2010/main" xmlns="" w="9525">
+                <a14:hiddenLine xmlns="" xmlns:a14="http://schemas.microsoft.com/office/drawing/2010/main" w="9525">
                   <a:solidFill>
                     <a:srgbClr val="000000"/>
                   </a:solidFill>
@@ -4195,7 +4195,7 @@
             </a:ln>
             <a:extLst>
               <a:ext uri="{91240B29-F687-4f45-9708-019B960494DF}">
-                <a14:hiddenLine xmlns:a14="http://schemas.microsoft.com/office/drawing/2010/main" xmlns="" w="9525">
+                <a14:hiddenLine xmlns="" xmlns:a14="http://schemas.microsoft.com/office/drawing/2010/main" w="9525">
                   <a:solidFill>
                     <a:srgbClr val="000000"/>
                   </a:solidFill>
@@ -4285,7 +4285,7 @@
             </a:ln>
             <a:extLst>
               <a:ext uri="{91240B29-F687-4f45-9708-019B960494DF}">
-                <a14:hiddenLine xmlns:a14="http://schemas.microsoft.com/office/drawing/2010/main" xmlns="" w="9525">
+                <a14:hiddenLine xmlns="" xmlns:a14="http://schemas.microsoft.com/office/drawing/2010/main" w="9525">
                   <a:solidFill>
                     <a:srgbClr val="000000"/>
                   </a:solidFill>
@@ -4347,7 +4347,7 @@
             </a:ln>
             <a:extLst>
               <a:ext uri="{91240B29-F687-4f45-9708-019B960494DF}">
-                <a14:hiddenLine xmlns:a14="http://schemas.microsoft.com/office/drawing/2010/main" xmlns="" w="9525">
+                <a14:hiddenLine xmlns="" xmlns:a14="http://schemas.microsoft.com/office/drawing/2010/main" w="9525">
                   <a:solidFill>
                     <a:srgbClr val="000000"/>
                   </a:solidFill>
@@ -4467,7 +4467,7 @@
             </a:ln>
             <a:extLst>
               <a:ext uri="{91240B29-F687-4f45-9708-019B960494DF}">
-                <a14:hiddenLine xmlns:a14="http://schemas.microsoft.com/office/drawing/2010/main" xmlns="" w="9525">
+                <a14:hiddenLine xmlns="" xmlns:a14="http://schemas.microsoft.com/office/drawing/2010/main" w="9525">
                   <a:solidFill>
                     <a:srgbClr val="000000"/>
                   </a:solidFill>
@@ -4535,7 +4535,7 @@
             </a:ln>
             <a:extLst>
               <a:ext uri="{91240B29-F687-4f45-9708-019B960494DF}">
-                <a14:hiddenLine xmlns:a14="http://schemas.microsoft.com/office/drawing/2010/main" xmlns="" w="9525">
+                <a14:hiddenLine xmlns="" xmlns:a14="http://schemas.microsoft.com/office/drawing/2010/main" w="9525">
                   <a:solidFill>
                     <a:srgbClr val="000000"/>
                   </a:solidFill>
@@ -4625,7 +4625,7 @@
             </a:ln>
             <a:extLst>
               <a:ext uri="{91240B29-F687-4f45-9708-019B960494DF}">
-                <a14:hiddenLine xmlns:a14="http://schemas.microsoft.com/office/drawing/2010/main" xmlns="" w="9525">
+                <a14:hiddenLine xmlns="" xmlns:a14="http://schemas.microsoft.com/office/drawing/2010/main" w="9525">
                   <a:solidFill>
                     <a:srgbClr val="000000"/>
                   </a:solidFill>
@@ -9354,7 +9354,7 @@
           <a:noFill/>
           <a:extLst>
             <a:ext uri="{909E8E84-426E-40dd-AFC4-6F175D3DCCD1}">
-              <a14:hiddenFill xmlns:a14="http://schemas.microsoft.com/office/drawing/2010/main" xmlns="">
+              <a14:hiddenFill xmlns="" xmlns:a14="http://schemas.microsoft.com/office/drawing/2010/main">
                 <a:solidFill>
                   <a:srgbClr val="FFFFFF"/>
                 </a:solidFill>
@@ -9428,7 +9428,7 @@
               </a:ln>
               <a:extLst>
                 <a:ext uri="{91240B29-F687-4f45-9708-019B960494DF}">
-                  <a14:hiddenLine xmlns:a14="http://schemas.microsoft.com/office/drawing/2010/main" xmlns="" w="9525">
+                  <a14:hiddenLine xmlns="" xmlns:a14="http://schemas.microsoft.com/office/drawing/2010/main" w="9525">
                     <a:solidFill>
                       <a:srgbClr val="000000"/>
                     </a:solidFill>
@@ -9518,7 +9518,7 @@
               </a:ln>
               <a:extLst>
                 <a:ext uri="{91240B29-F687-4f45-9708-019B960494DF}">
-                  <a14:hiddenLine xmlns:a14="http://schemas.microsoft.com/office/drawing/2010/main" xmlns="" w="9525">
+                  <a14:hiddenLine xmlns="" xmlns:a14="http://schemas.microsoft.com/office/drawing/2010/main" w="9525">
                     <a:solidFill>
                       <a:srgbClr val="000000"/>
                     </a:solidFill>
@@ -9608,7 +9608,7 @@
               </a:ln>
               <a:extLst>
                 <a:ext uri="{91240B29-F687-4f45-9708-019B960494DF}">
-                  <a14:hiddenLine xmlns:a14="http://schemas.microsoft.com/office/drawing/2010/main" xmlns="" w="9525">
+                  <a14:hiddenLine xmlns="" xmlns:a14="http://schemas.microsoft.com/office/drawing/2010/main" w="9525">
                     <a:solidFill>
                       <a:srgbClr val="000000"/>
                     </a:solidFill>
@@ -9670,7 +9670,7 @@
               </a:ln>
               <a:extLst>
                 <a:ext uri="{91240B29-F687-4f45-9708-019B960494DF}">
-                  <a14:hiddenLine xmlns:a14="http://schemas.microsoft.com/office/drawing/2010/main" xmlns="" w="9525">
+                  <a14:hiddenLine xmlns="" xmlns:a14="http://schemas.microsoft.com/office/drawing/2010/main" w="9525">
                     <a:solidFill>
                       <a:srgbClr val="000000"/>
                     </a:solidFill>
@@ -9760,7 +9760,7 @@
               </a:ln>
               <a:extLst>
                 <a:ext uri="{91240B29-F687-4f45-9708-019B960494DF}">
-                  <a14:hiddenLine xmlns:a14="http://schemas.microsoft.com/office/drawing/2010/main" xmlns="" w="9525">
+                  <a14:hiddenLine xmlns="" xmlns:a14="http://schemas.microsoft.com/office/drawing/2010/main" w="9525">
                     <a:solidFill>
                       <a:srgbClr val="000000"/>
                     </a:solidFill>
@@ -9822,7 +9822,7 @@
               </a:ln>
               <a:extLst>
                 <a:ext uri="{91240B29-F687-4f45-9708-019B960494DF}">
-                  <a14:hiddenLine xmlns:a14="http://schemas.microsoft.com/office/drawing/2010/main" xmlns="" w="9525">
+                  <a14:hiddenLine xmlns="" xmlns:a14="http://schemas.microsoft.com/office/drawing/2010/main" w="9525">
                     <a:solidFill>
                       <a:srgbClr val="000000"/>
                     </a:solidFill>
@@ -9884,7 +9884,7 @@
               </a:ln>
               <a:extLst>
                 <a:ext uri="{91240B29-F687-4f45-9708-019B960494DF}">
-                  <a14:hiddenLine xmlns:a14="http://schemas.microsoft.com/office/drawing/2010/main" xmlns="" w="9525">
+                  <a14:hiddenLine xmlns="" xmlns:a14="http://schemas.microsoft.com/office/drawing/2010/main" w="9525">
                     <a:solidFill>
                       <a:srgbClr val="000000"/>
                     </a:solidFill>
@@ -9974,7 +9974,7 @@
               </a:ln>
               <a:extLst>
                 <a:ext uri="{91240B29-F687-4f45-9708-019B960494DF}">
-                  <a14:hiddenLine xmlns:a14="http://schemas.microsoft.com/office/drawing/2010/main" xmlns="" w="9525">
+                  <a14:hiddenLine xmlns="" xmlns:a14="http://schemas.microsoft.com/office/drawing/2010/main" w="9525">
                     <a:solidFill>
                       <a:srgbClr val="000000"/>
                     </a:solidFill>
@@ -10064,7 +10064,7 @@
               </a:ln>
               <a:extLst>
                 <a:ext uri="{91240B29-F687-4f45-9708-019B960494DF}">
-                  <a14:hiddenLine xmlns:a14="http://schemas.microsoft.com/office/drawing/2010/main" xmlns="" w="9525">
+                  <a14:hiddenLine xmlns="" xmlns:a14="http://schemas.microsoft.com/office/drawing/2010/main" w="9525">
                     <a:solidFill>
                       <a:srgbClr val="000000"/>
                     </a:solidFill>
@@ -10126,7 +10126,7 @@
               </a:ln>
               <a:extLst>
                 <a:ext uri="{91240B29-F687-4f45-9708-019B960494DF}">
-                  <a14:hiddenLine xmlns:a14="http://schemas.microsoft.com/office/drawing/2010/main" xmlns="" w="9525">
+                  <a14:hiddenLine xmlns="" xmlns:a14="http://schemas.microsoft.com/office/drawing/2010/main" w="9525">
                     <a:solidFill>
                       <a:srgbClr val="000000"/>
                     </a:solidFill>
@@ -10236,7 +10236,7 @@
               </a:ln>
               <a:extLst>
                 <a:ext uri="{91240B29-F687-4f45-9708-019B960494DF}">
-                  <a14:hiddenLine xmlns:a14="http://schemas.microsoft.com/office/drawing/2010/main" xmlns="" w="9525">
+                  <a14:hiddenLine xmlns="" xmlns:a14="http://schemas.microsoft.com/office/drawing/2010/main" w="9525">
                     <a:solidFill>
                       <a:srgbClr val="000000"/>
                     </a:solidFill>
@@ -10320,7 +10320,7 @@
               </a:ln>
               <a:extLst>
                 <a:ext uri="{91240B29-F687-4f45-9708-019B960494DF}">
-                  <a14:hiddenLine xmlns:a14="http://schemas.microsoft.com/office/drawing/2010/main" xmlns="" w="9525">
+                  <a14:hiddenLine xmlns="" xmlns:a14="http://schemas.microsoft.com/office/drawing/2010/main" w="9525">
                     <a:solidFill>
                       <a:srgbClr val="000000"/>
                     </a:solidFill>
@@ -10382,7 +10382,7 @@
               </a:ln>
               <a:extLst>
                 <a:ext uri="{91240B29-F687-4f45-9708-019B960494DF}">
-                  <a14:hiddenLine xmlns:a14="http://schemas.microsoft.com/office/drawing/2010/main" xmlns="" w="9525">
+                  <a14:hiddenLine xmlns="" xmlns:a14="http://schemas.microsoft.com/office/drawing/2010/main" w="9525">
                     <a:solidFill>
                       <a:srgbClr val="000000"/>
                     </a:solidFill>
@@ -10444,7 +10444,7 @@
               </a:ln>
               <a:extLst>
                 <a:ext uri="{91240B29-F687-4f45-9708-019B960494DF}">
-                  <a14:hiddenLine xmlns:a14="http://schemas.microsoft.com/office/drawing/2010/main" xmlns="" w="9525">
+                  <a14:hiddenLine xmlns="" xmlns:a14="http://schemas.microsoft.com/office/drawing/2010/main" w="9525">
                     <a:solidFill>
                       <a:srgbClr val="000000"/>
                     </a:solidFill>
@@ -10534,7 +10534,7 @@
               </a:ln>
               <a:extLst>
                 <a:ext uri="{91240B29-F687-4f45-9708-019B960494DF}">
-                  <a14:hiddenLine xmlns:a14="http://schemas.microsoft.com/office/drawing/2010/main" xmlns="" w="9525">
+                  <a14:hiddenLine xmlns="" xmlns:a14="http://schemas.microsoft.com/office/drawing/2010/main" w="9525">
                     <a:solidFill>
                       <a:srgbClr val="000000"/>
                     </a:solidFill>
@@ -10568,7 +10568,7 @@
               </a:ln>
               <a:extLst>
                 <a:ext uri="{91240B29-F687-4f45-9708-019B960494DF}">
-                  <a14:hiddenLine xmlns:a14="http://schemas.microsoft.com/office/drawing/2010/main" xmlns="" w="9525">
+                  <a14:hiddenLine xmlns="" xmlns:a14="http://schemas.microsoft.com/office/drawing/2010/main" w="9525">
                     <a:solidFill>
                       <a:srgbClr val="000000"/>
                     </a:solidFill>
@@ -10633,7 +10633,7 @@
               </a:ln>
               <a:extLst>
                 <a:ext uri="{91240B29-F687-4f45-9708-019B960494DF}">
-                  <a14:hiddenLine xmlns:a14="http://schemas.microsoft.com/office/drawing/2010/main" xmlns="" w="9525">
+                  <a14:hiddenLine xmlns="" xmlns:a14="http://schemas.microsoft.com/office/drawing/2010/main" w="9525">
                     <a:solidFill>
                       <a:srgbClr val="000000"/>
                     </a:solidFill>
@@ -10723,7 +10723,7 @@
               </a:ln>
               <a:extLst>
                 <a:ext uri="{91240B29-F687-4f45-9708-019B960494DF}">
-                  <a14:hiddenLine xmlns:a14="http://schemas.microsoft.com/office/drawing/2010/main" xmlns="" w="9525">
+                  <a14:hiddenLine xmlns="" xmlns:a14="http://schemas.microsoft.com/office/drawing/2010/main" w="9525">
                     <a:solidFill>
                       <a:srgbClr val="000000"/>
                     </a:solidFill>
@@ -10785,7 +10785,7 @@
               </a:ln>
               <a:extLst>
                 <a:ext uri="{91240B29-F687-4f45-9708-019B960494DF}">
-                  <a14:hiddenLine xmlns:a14="http://schemas.microsoft.com/office/drawing/2010/main" xmlns="" w="9525">
+                  <a14:hiddenLine xmlns="" xmlns:a14="http://schemas.microsoft.com/office/drawing/2010/main" w="9525">
                     <a:solidFill>
                       <a:srgbClr val="000000"/>
                     </a:solidFill>
@@ -10875,7 +10875,7 @@
               </a:ln>
               <a:extLst>
                 <a:ext uri="{91240B29-F687-4f45-9708-019B960494DF}">
-                  <a14:hiddenLine xmlns:a14="http://schemas.microsoft.com/office/drawing/2010/main" xmlns="" w="9525">
+                  <a14:hiddenLine xmlns="" xmlns:a14="http://schemas.microsoft.com/office/drawing/2010/main" w="9525">
                     <a:solidFill>
                       <a:srgbClr val="000000"/>
                     </a:solidFill>
@@ -10940,7 +10940,7 @@
               </a:ln>
               <a:extLst>
                 <a:ext uri="{91240B29-F687-4f45-9708-019B960494DF}">
-                  <a14:hiddenLine xmlns:a14="http://schemas.microsoft.com/office/drawing/2010/main" xmlns="" w="9525">
+                  <a14:hiddenLine xmlns="" xmlns:a14="http://schemas.microsoft.com/office/drawing/2010/main" w="9525">
                     <a:solidFill>
                       <a:srgbClr val="000000"/>
                     </a:solidFill>
@@ -11002,7 +11002,7 @@
               </a:ln>
               <a:extLst>
                 <a:ext uri="{91240B29-F687-4f45-9708-019B960494DF}">
-                  <a14:hiddenLine xmlns:a14="http://schemas.microsoft.com/office/drawing/2010/main" xmlns="" w="9525">
+                  <a14:hiddenLine xmlns="" xmlns:a14="http://schemas.microsoft.com/office/drawing/2010/main" w="9525">
                     <a:solidFill>
                       <a:srgbClr val="000000"/>
                     </a:solidFill>
@@ -11092,7 +11092,7 @@
               </a:ln>
               <a:extLst>
                 <a:ext uri="{91240B29-F687-4f45-9708-019B960494DF}">
-                  <a14:hiddenLine xmlns:a14="http://schemas.microsoft.com/office/drawing/2010/main" xmlns="" w="9525">
+                  <a14:hiddenLine xmlns="" xmlns:a14="http://schemas.microsoft.com/office/drawing/2010/main" w="9525">
                     <a:solidFill>
                       <a:srgbClr val="000000"/>
                     </a:solidFill>
@@ -11182,7 +11182,7 @@
               </a:ln>
               <a:extLst>
                 <a:ext uri="{91240B29-F687-4f45-9708-019B960494DF}">
-                  <a14:hiddenLine xmlns:a14="http://schemas.microsoft.com/office/drawing/2010/main" xmlns="" w="9525">
+                  <a14:hiddenLine xmlns="" xmlns:a14="http://schemas.microsoft.com/office/drawing/2010/main" w="9525">
                     <a:solidFill>
                       <a:srgbClr val="000000"/>
                     </a:solidFill>
@@ -11247,7 +11247,7 @@
               </a:ln>
               <a:extLst>
                 <a:ext uri="{91240B29-F687-4f45-9708-019B960494DF}">
-                  <a14:hiddenLine xmlns:a14="http://schemas.microsoft.com/office/drawing/2010/main" xmlns="" w="9525">
+                  <a14:hiddenLine xmlns="" xmlns:a14="http://schemas.microsoft.com/office/drawing/2010/main" w="9525">
                     <a:solidFill>
                       <a:srgbClr val="000000"/>
                     </a:solidFill>
@@ -11367,7 +11367,7 @@
               </a:ln>
               <a:extLst>
                 <a:ext uri="{91240B29-F687-4f45-9708-019B960494DF}">
-                  <a14:hiddenLine xmlns:a14="http://schemas.microsoft.com/office/drawing/2010/main" xmlns="" w="9525">
+                  <a14:hiddenLine xmlns="" xmlns:a14="http://schemas.microsoft.com/office/drawing/2010/main" w="9525">
                     <a:solidFill>
                       <a:srgbClr val="000000"/>
                     </a:solidFill>
@@ -11448,7 +11448,7 @@
               </a:ln>
               <a:extLst>
                 <a:ext uri="{91240B29-F687-4f45-9708-019B960494DF}">
-                  <a14:hiddenLine xmlns:a14="http://schemas.microsoft.com/office/drawing/2010/main" xmlns="" w="9525">
+                  <a14:hiddenLine xmlns="" xmlns:a14="http://schemas.microsoft.com/office/drawing/2010/main" w="9525">
                     <a:solidFill>
                       <a:srgbClr val="000000"/>
                     </a:solidFill>
@@ -11563,7 +11563,7 @@
               </a:ln>
               <a:extLst>
                 <a:ext uri="{91240B29-F687-4f45-9708-019B960494DF}">
-                  <a14:hiddenLine xmlns:a14="http://schemas.microsoft.com/office/drawing/2010/main" xmlns="" w="9525">
+                  <a14:hiddenLine xmlns="" xmlns:a14="http://schemas.microsoft.com/office/drawing/2010/main" w="9525">
                     <a:solidFill>
                       <a:srgbClr val="000000"/>
                     </a:solidFill>
@@ -11653,7 +11653,7 @@
               </a:ln>
               <a:extLst>
                 <a:ext uri="{91240B29-F687-4f45-9708-019B960494DF}">
-                  <a14:hiddenLine xmlns:a14="http://schemas.microsoft.com/office/drawing/2010/main" xmlns="" w="9525">
+                  <a14:hiddenLine xmlns="" xmlns:a14="http://schemas.microsoft.com/office/drawing/2010/main" w="9525">
                     <a:solidFill>
                       <a:srgbClr val="000000"/>
                     </a:solidFill>
@@ -11718,7 +11718,7 @@
               </a:ln>
               <a:extLst>
                 <a:ext uri="{91240B29-F687-4f45-9708-019B960494DF}">
-                  <a14:hiddenLine xmlns:a14="http://schemas.microsoft.com/office/drawing/2010/main" xmlns="" w="9525">
+                  <a14:hiddenLine xmlns="" xmlns:a14="http://schemas.microsoft.com/office/drawing/2010/main" w="9525">
                     <a:solidFill>
                       <a:srgbClr val="000000"/>
                     </a:solidFill>
@@ -11808,7 +11808,7 @@
               </a:ln>
               <a:extLst>
                 <a:ext uri="{91240B29-F687-4f45-9708-019B960494DF}">
-                  <a14:hiddenLine xmlns:a14="http://schemas.microsoft.com/office/drawing/2010/main" xmlns="" w="9525">
+                  <a14:hiddenLine xmlns="" xmlns:a14="http://schemas.microsoft.com/office/drawing/2010/main" w="9525">
                     <a:solidFill>
                       <a:srgbClr val="000000"/>
                     </a:solidFill>
@@ -11876,7 +11876,7 @@
               </a:ln>
               <a:extLst>
                 <a:ext uri="{91240B29-F687-4f45-9708-019B960494DF}">
-                  <a14:hiddenLine xmlns:a14="http://schemas.microsoft.com/office/drawing/2010/main" xmlns="" w="9525">
+                  <a14:hiddenLine xmlns="" xmlns:a14="http://schemas.microsoft.com/office/drawing/2010/main" w="9525">
                     <a:solidFill>
                       <a:srgbClr val="000000"/>
                     </a:solidFill>
@@ -11966,7 +11966,7 @@
               </a:ln>
               <a:extLst>
                 <a:ext uri="{91240B29-F687-4f45-9708-019B960494DF}">
-                  <a14:hiddenLine xmlns:a14="http://schemas.microsoft.com/office/drawing/2010/main" xmlns="" w="9525">
+                  <a14:hiddenLine xmlns="" xmlns:a14="http://schemas.microsoft.com/office/drawing/2010/main" w="9525">
                     <a:solidFill>
                       <a:srgbClr val="000000"/>
                     </a:solidFill>
@@ -12034,7 +12034,7 @@
               </a:ln>
               <a:extLst>
                 <a:ext uri="{91240B29-F687-4f45-9708-019B960494DF}">
-                  <a14:hiddenLine xmlns:a14="http://schemas.microsoft.com/office/drawing/2010/main" xmlns="" w="9525">
+                  <a14:hiddenLine xmlns="" xmlns:a14="http://schemas.microsoft.com/office/drawing/2010/main" w="9525">
                     <a:solidFill>
                       <a:srgbClr val="000000"/>
                     </a:solidFill>
@@ -12124,7 +12124,7 @@
               </a:ln>
               <a:extLst>
                 <a:ext uri="{91240B29-F687-4f45-9708-019B960494DF}">
-                  <a14:hiddenLine xmlns:a14="http://schemas.microsoft.com/office/drawing/2010/main" xmlns="" w="9525">
+                  <a14:hiddenLine xmlns="" xmlns:a14="http://schemas.microsoft.com/office/drawing/2010/main" w="9525">
                     <a:solidFill>
                       <a:srgbClr val="000000"/>
                     </a:solidFill>
@@ -12158,7 +12158,7 @@
               </a:ln>
               <a:extLst>
                 <a:ext uri="{91240B29-F687-4f45-9708-019B960494DF}">
-                  <a14:hiddenLine xmlns:a14="http://schemas.microsoft.com/office/drawing/2010/main" xmlns="" w="9525">
+                  <a14:hiddenLine xmlns="" xmlns:a14="http://schemas.microsoft.com/office/drawing/2010/main" w="9525">
                     <a:solidFill>
                       <a:srgbClr val="000000"/>
                     </a:solidFill>
@@ -16689,7 +16689,7 @@
                 </a:solidFill>
                 <a:latin typeface="Arial Rounded MT Bold" panose="020F0704030504030204" pitchFamily="34" charset="0"/>
               </a:rPr>
-              <a:t> path finding algorithm like  	Fleury’s algorithm to check connectivity.</a:t>
+              <a:t> path finding algorithm like  Fleury’s algorithm to check connectivity.</a:t>
             </a:r>
           </a:p>
           <a:p>
@@ -16733,7 +16733,7 @@
               <a:t>Checking of two </a:t>
             </a:r>
             <a:r>
-              <a:rPr lang="en-GB" sz="2800" dirty="0" err="1">
+              <a:rPr lang="en-GB" sz="2800">
                 <a:solidFill>
                   <a:schemeClr val="tx1">
                     <a:lumMod val="75000"/>
@@ -16741,7 +16741,7 @@
                 </a:solidFill>
                 <a:latin typeface="Arial Rounded MT Bold" panose="020F0704030504030204" pitchFamily="34" charset="0"/>
               </a:rPr>
-              <a:t>wheter</a:t>
+              <a:t>graphs whether </a:t>
             </a:r>
             <a:r>
               <a:rPr lang="en-GB" sz="2800" dirty="0">
@@ -16752,7 +16752,7 @@
                 </a:solidFill>
                 <a:latin typeface="Arial Rounded MT Bold" panose="020F0704030504030204" pitchFamily="34" charset="0"/>
               </a:rPr>
-              <a:t> they are isomorphic or not using VF2 algorithm.</a:t>
+              <a:t>they are isomorphic or not using VF2 algorithm.</a:t>
             </a:r>
           </a:p>
           <a:p>
